--- a/05_Visulisation_and_Handbooks/Vent Splitter Schematics v12.pptx
+++ b/05_Visulisation_and_Handbooks/Vent Splitter Schematics v12.pptx
@@ -5860,12 +5860,8 @@
           <a:p>
             <a:pPr algn="r"/>
             <a:r>
-              <a:rPr lang="en-US"/>
-              <a:t>2 June </a:t>
-            </a:r>
-            <a:r>
               <a:rPr lang="en-US" dirty="0"/>
-              <a:t>2020</a:t>
+              <a:t>2 June 2020</a:t>
             </a:r>
           </a:p>
         </p:txBody>
@@ -7774,10 +7770,10 @@
       </p:sp>
       <p:sp>
         <p:nvSpPr>
-          <p:cNvPr id="9" name="Can 8">
-            <a:extLst>
-              <a:ext uri="{FF2B5EF4-FFF2-40B4-BE49-F238E27FC236}">
-                <a16:creationId xmlns:a16="http://schemas.microsoft.com/office/drawing/2014/main" id="{1542FCC7-0472-0B40-9C3F-E11A45630C15}"/>
+          <p:cNvPr id="10" name="Rectangle 9">
+            <a:extLst>
+              <a:ext uri="{FF2B5EF4-FFF2-40B4-BE49-F238E27FC236}">
+                <a16:creationId xmlns:a16="http://schemas.microsoft.com/office/drawing/2014/main" id="{2417FDF2-A8F7-674B-B393-D8A4E04D5C4A}"/>
               </a:ext>
             </a:extLst>
           </p:cNvPr>
@@ -7786,10 +7782,10 @@
         </p:nvSpPr>
         <p:spPr>
           <a:xfrm>
-            <a:off x="5324390" y="3539431"/>
-            <a:ext cx="780288" cy="877824"/>
-          </a:xfrm>
-          <a:prstGeom prst="can">
+            <a:off x="5254286" y="2765239"/>
+            <a:ext cx="908304" cy="697992"/>
+          </a:xfrm>
+          <a:prstGeom prst="rect">
             <a:avLst/>
           </a:prstGeom>
         </p:spPr>
@@ -7821,17 +7817,17 @@
             <a:pPr algn="ctr"/>
             <a:r>
               <a:rPr lang="en-US" dirty="0"/>
-              <a:t>CPVC tube</a:t>
-            </a:r>
-          </a:p>
-        </p:txBody>
-      </p:sp>
-      <p:sp>
-        <p:nvSpPr>
-          <p:cNvPr id="10" name="Rectangle 9">
-            <a:extLst>
-              <a:ext uri="{FF2B5EF4-FFF2-40B4-BE49-F238E27FC236}">
-                <a16:creationId xmlns:a16="http://schemas.microsoft.com/office/drawing/2014/main" id="{2417FDF2-A8F7-674B-B393-D8A4E04D5C4A}"/>
+              <a:t>CPVC T</a:t>
+            </a:r>
+          </a:p>
+        </p:txBody>
+      </p:sp>
+      <p:sp>
+        <p:nvSpPr>
+          <p:cNvPr id="11" name="Rectangle 10">
+            <a:extLst>
+              <a:ext uri="{FF2B5EF4-FFF2-40B4-BE49-F238E27FC236}">
+                <a16:creationId xmlns:a16="http://schemas.microsoft.com/office/drawing/2014/main" id="{63C48EEB-CC27-C742-9414-B61EC9C27E55}"/>
               </a:ext>
             </a:extLst>
           </p:cNvPr>
@@ -7840,8 +7836,8 @@
         </p:nvSpPr>
         <p:spPr>
           <a:xfrm>
-            <a:off x="5254286" y="2765239"/>
-            <a:ext cx="908304" cy="697992"/>
+            <a:off x="4371890" y="2844487"/>
+            <a:ext cx="797052" cy="539496"/>
           </a:xfrm>
           <a:prstGeom prst="rect">
             <a:avLst/>
@@ -7875,17 +7871,24 @@
             <a:pPr algn="ctr"/>
             <a:r>
               <a:rPr lang="en-US" dirty="0"/>
-              <a:t>CPVC T</a:t>
-            </a:r>
-          </a:p>
-        </p:txBody>
-      </p:sp>
-      <p:sp>
-        <p:nvSpPr>
-          <p:cNvPr id="11" name="Rectangle 10">
-            <a:extLst>
-              <a:ext uri="{FF2B5EF4-FFF2-40B4-BE49-F238E27FC236}">
-                <a16:creationId xmlns:a16="http://schemas.microsoft.com/office/drawing/2014/main" id="{63C48EEB-CC27-C742-9414-B61EC9C27E55}"/>
+              <a:t>1-way</a:t>
+            </a:r>
+          </a:p>
+          <a:p>
+            <a:pPr algn="ctr"/>
+            <a:r>
+              <a:rPr lang="en-US" dirty="0"/>
+              <a:t>&lt;-</a:t>
+            </a:r>
+          </a:p>
+        </p:txBody>
+      </p:sp>
+      <p:sp>
+        <p:nvSpPr>
+          <p:cNvPr id="12" name="Rectangle 11">
+            <a:extLst>
+              <a:ext uri="{FF2B5EF4-FFF2-40B4-BE49-F238E27FC236}">
+                <a16:creationId xmlns:a16="http://schemas.microsoft.com/office/drawing/2014/main" id="{B0A29A53-CABC-3B4C-A4FA-D9A3938EEF90}"/>
               </a:ext>
             </a:extLst>
           </p:cNvPr>
@@ -7894,7 +7897,7 @@
         </p:nvSpPr>
         <p:spPr>
           <a:xfrm>
-            <a:off x="4371890" y="2844487"/>
+            <a:off x="3489494" y="2844487"/>
             <a:ext cx="797052" cy="539496"/>
           </a:xfrm>
           <a:prstGeom prst="rect">
@@ -7929,24 +7932,17 @@
             <a:pPr algn="ctr"/>
             <a:r>
               <a:rPr lang="en-US" dirty="0"/>
-              <a:t>1-way</a:t>
-            </a:r>
-          </a:p>
-          <a:p>
-            <a:pPr algn="ctr"/>
-            <a:r>
-              <a:rPr lang="en-US" dirty="0"/>
-              <a:t>&lt;-</a:t>
-            </a:r>
-          </a:p>
-        </p:txBody>
-      </p:sp>
-      <p:sp>
-        <p:nvSpPr>
-          <p:cNvPr id="12" name="Rectangle 11">
-            <a:extLst>
-              <a:ext uri="{FF2B5EF4-FFF2-40B4-BE49-F238E27FC236}">
-                <a16:creationId xmlns:a16="http://schemas.microsoft.com/office/drawing/2014/main" id="{B0A29A53-CABC-3B4C-A4FA-D9A3938EEF90}"/>
+              <a:t>Flow CTRL</a:t>
+            </a:r>
+          </a:p>
+        </p:txBody>
+      </p:sp>
+      <p:sp>
+        <p:nvSpPr>
+          <p:cNvPr id="13" name="Rectangle 12">
+            <a:extLst>
+              <a:ext uri="{FF2B5EF4-FFF2-40B4-BE49-F238E27FC236}">
+                <a16:creationId xmlns:a16="http://schemas.microsoft.com/office/drawing/2014/main" id="{E90D0E91-EAB2-8D42-BB19-8760BC541C61}"/>
               </a:ext>
             </a:extLst>
           </p:cNvPr>
@@ -7955,8 +7951,8 @@
         </p:nvSpPr>
         <p:spPr>
           <a:xfrm>
-            <a:off x="3489494" y="2844487"/>
-            <a:ext cx="797052" cy="539496"/>
+            <a:off x="1989826" y="2844487"/>
+            <a:ext cx="1414324" cy="539496"/>
           </a:xfrm>
           <a:prstGeom prst="rect">
             <a:avLst/>
@@ -7990,17 +7986,24 @@
             <a:pPr algn="ctr"/>
             <a:r>
               <a:rPr lang="en-US" dirty="0"/>
-              <a:t>Flow CTRL</a:t>
-            </a:r>
-          </a:p>
-        </p:txBody>
-      </p:sp>
-      <p:sp>
-        <p:nvSpPr>
-          <p:cNvPr id="13" name="Rectangle 12">
-            <a:extLst>
-              <a:ext uri="{FF2B5EF4-FFF2-40B4-BE49-F238E27FC236}">
-                <a16:creationId xmlns:a16="http://schemas.microsoft.com/office/drawing/2014/main" id="{E90D0E91-EAB2-8D42-BB19-8760BC541C61}"/>
+              <a:t>CPVC</a:t>
+            </a:r>
+          </a:p>
+          <a:p>
+            <a:pPr algn="ctr"/>
+            <a:r>
+              <a:rPr lang="en-US" dirty="0"/>
+              <a:t>Ball Valve</a:t>
+            </a:r>
+          </a:p>
+        </p:txBody>
+      </p:sp>
+      <p:sp>
+        <p:nvSpPr>
+          <p:cNvPr id="14" name="Rectangle 13">
+            <a:extLst>
+              <a:ext uri="{FF2B5EF4-FFF2-40B4-BE49-F238E27FC236}">
+                <a16:creationId xmlns:a16="http://schemas.microsoft.com/office/drawing/2014/main" id="{58EBE56F-9B62-E74F-A7EF-5289DE56CC06}"/>
               </a:ext>
             </a:extLst>
           </p:cNvPr>
@@ -8009,8 +8012,8 @@
         </p:nvSpPr>
         <p:spPr>
           <a:xfrm>
-            <a:off x="2518706" y="2844487"/>
-            <a:ext cx="885444" cy="539496"/>
+            <a:off x="859021" y="2844487"/>
+            <a:ext cx="1037844" cy="539496"/>
           </a:xfrm>
           <a:prstGeom prst="rect">
             <a:avLst/>
@@ -8044,60 +8047,6 @@
             <a:pPr algn="ctr"/>
             <a:r>
               <a:rPr lang="en-US" dirty="0"/>
-              <a:t>Shutoff</a:t>
-            </a:r>
-          </a:p>
-        </p:txBody>
-      </p:sp>
-      <p:sp>
-        <p:nvSpPr>
-          <p:cNvPr id="14" name="Rectangle 13">
-            <a:extLst>
-              <a:ext uri="{FF2B5EF4-FFF2-40B4-BE49-F238E27FC236}">
-                <a16:creationId xmlns:a16="http://schemas.microsoft.com/office/drawing/2014/main" id="{58EBE56F-9B62-E74F-A7EF-5289DE56CC06}"/>
-              </a:ext>
-            </a:extLst>
-          </p:cNvPr>
-          <p:cNvSpPr/>
-          <p:nvPr/>
-        </p:nvSpPr>
-        <p:spPr>
-          <a:xfrm>
-            <a:off x="1395518" y="2844487"/>
-            <a:ext cx="1037844" cy="539496"/>
-          </a:xfrm>
-          <a:prstGeom prst="rect">
-            <a:avLst/>
-          </a:prstGeom>
-        </p:spPr>
-        <p:style>
-          <a:lnRef idx="2">
-            <a:schemeClr val="accent1">
-              <a:shade val="50000"/>
-            </a:schemeClr>
-          </a:lnRef>
-          <a:fillRef idx="1">
-            <a:schemeClr val="accent1"/>
-          </a:fillRef>
-          <a:effectRef idx="0">
-            <a:schemeClr val="accent1"/>
-          </a:effectRef>
-          <a:fontRef idx="minor">
-            <a:schemeClr val="lt1"/>
-          </a:fontRef>
-        </p:style>
-        <p:txBody>
-          <a:bodyPr rot="0" spcFirstLastPara="0" vertOverflow="overflow" horzOverflow="overflow" vert="horz" wrap="square" lIns="91440" tIns="45720" rIns="91440" bIns="45720" numCol="1" spcCol="0" rtlCol="0" fromWordArt="0" anchor="ctr" anchorCtr="0" forceAA="0" compatLnSpc="1">
-            <a:prstTxWarp prst="textNoShape">
-              <a:avLst/>
-            </a:prstTxWarp>
-            <a:noAutofit/>
-          </a:bodyPr>
-          <a:lstStyle/>
-          <a:p>
-            <a:pPr algn="ctr"/>
-            <a:r>
-              <a:rPr lang="en-US" dirty="0"/>
               <a:t>22 mm adaptor</a:t>
             </a:r>
           </a:p>
@@ -8117,7 +8066,7 @@
         </p:nvCxnSpPr>
         <p:spPr>
           <a:xfrm flipV="1">
-            <a:off x="4586774" y="4181387"/>
+            <a:off x="4586774" y="3547724"/>
             <a:ext cx="2185416" cy="658368"/>
           </a:xfrm>
           <a:prstGeom prst="line">
@@ -8153,7 +8102,7 @@
         </p:nvCxnSpPr>
         <p:spPr>
           <a:xfrm flipV="1">
-            <a:off x="4586774" y="4275875"/>
+            <a:off x="4586774" y="4064860"/>
             <a:ext cx="2185416" cy="658368"/>
           </a:xfrm>
           <a:prstGeom prst="line">
@@ -8567,84 +8516,12 @@
           </a:p>
         </p:txBody>
       </p:sp>
-      <p:cxnSp>
-        <p:nvCxnSpPr>
-          <p:cNvPr id="27" name="Straight Connector 26">
-            <a:extLst>
-              <a:ext uri="{FF2B5EF4-FFF2-40B4-BE49-F238E27FC236}">
-                <a16:creationId xmlns:a16="http://schemas.microsoft.com/office/drawing/2014/main" id="{C7D2BA0C-3AD3-2547-802E-7AD8B92BA1D3}"/>
-              </a:ext>
-            </a:extLst>
-          </p:cNvPr>
-          <p:cNvCxnSpPr/>
-          <p:nvPr/>
-        </p:nvCxnSpPr>
-        <p:spPr>
-          <a:xfrm flipV="1">
-            <a:off x="8361603" y="4228279"/>
-            <a:ext cx="2185416" cy="658368"/>
-          </a:xfrm>
-          <a:prstGeom prst="line">
-            <a:avLst/>
-          </a:prstGeom>
-        </p:spPr>
-        <p:style>
-          <a:lnRef idx="1">
-            <a:schemeClr val="accent1"/>
-          </a:lnRef>
-          <a:fillRef idx="0">
-            <a:schemeClr val="accent1"/>
-          </a:fillRef>
-          <a:effectRef idx="0">
-            <a:schemeClr val="accent1"/>
-          </a:effectRef>
-          <a:fontRef idx="minor">
-            <a:schemeClr val="tx1"/>
-          </a:fontRef>
-        </p:style>
-      </p:cxnSp>
-      <p:cxnSp>
-        <p:nvCxnSpPr>
-          <p:cNvPr id="28" name="Straight Connector 27">
-            <a:extLst>
-              <a:ext uri="{FF2B5EF4-FFF2-40B4-BE49-F238E27FC236}">
-                <a16:creationId xmlns:a16="http://schemas.microsoft.com/office/drawing/2014/main" id="{0FBD4513-7B78-5E41-AB44-AB1A199FACCA}"/>
-              </a:ext>
-            </a:extLst>
-          </p:cNvPr>
-          <p:cNvCxnSpPr/>
-          <p:nvPr/>
-        </p:nvCxnSpPr>
-        <p:spPr>
-          <a:xfrm flipV="1">
-            <a:off x="8361603" y="4322767"/>
-            <a:ext cx="2185416" cy="658368"/>
-          </a:xfrm>
-          <a:prstGeom prst="line">
-            <a:avLst/>
-          </a:prstGeom>
-        </p:spPr>
-        <p:style>
-          <a:lnRef idx="1">
-            <a:schemeClr val="accent1"/>
-          </a:lnRef>
-          <a:fillRef idx="0">
-            <a:schemeClr val="accent1"/>
-          </a:fillRef>
-          <a:effectRef idx="0">
-            <a:schemeClr val="accent1"/>
-          </a:effectRef>
-          <a:fontRef idx="minor">
-            <a:schemeClr val="tx1"/>
-          </a:fontRef>
-        </p:style>
-      </p:cxnSp>
-      <p:sp>
-        <p:nvSpPr>
-          <p:cNvPr id="29" name="Can 28">
-            <a:extLst>
-              <a:ext uri="{FF2B5EF4-FFF2-40B4-BE49-F238E27FC236}">
-                <a16:creationId xmlns:a16="http://schemas.microsoft.com/office/drawing/2014/main" id="{40F13F1D-3239-854A-A72F-110A24C98210}"/>
+      <p:sp>
+        <p:nvSpPr>
+          <p:cNvPr id="30" name="Rectangle 29">
+            <a:extLst>
+              <a:ext uri="{FF2B5EF4-FFF2-40B4-BE49-F238E27FC236}">
+                <a16:creationId xmlns:a16="http://schemas.microsoft.com/office/drawing/2014/main" id="{75483494-5640-C24F-A816-988AC517AD5B}"/>
               </a:ext>
             </a:extLst>
           </p:cNvPr>
@@ -8653,10 +8530,10 @@
         </p:nvSpPr>
         <p:spPr>
           <a:xfrm>
-            <a:off x="8999696" y="3539431"/>
-            <a:ext cx="780288" cy="877824"/>
-          </a:xfrm>
-          <a:prstGeom prst="can">
+            <a:off x="8985977" y="2765239"/>
+            <a:ext cx="908304" cy="697992"/>
+          </a:xfrm>
+          <a:prstGeom prst="rect">
             <a:avLst/>
           </a:prstGeom>
         </p:spPr>
@@ -8688,17 +8565,17 @@
             <a:pPr algn="ctr"/>
             <a:r>
               <a:rPr lang="en-US" dirty="0"/>
-              <a:t>CPVC tube</a:t>
-            </a:r>
-          </a:p>
-        </p:txBody>
-      </p:sp>
-      <p:sp>
-        <p:nvSpPr>
-          <p:cNvPr id="30" name="Rectangle 29">
-            <a:extLst>
-              <a:ext uri="{FF2B5EF4-FFF2-40B4-BE49-F238E27FC236}">
-                <a16:creationId xmlns:a16="http://schemas.microsoft.com/office/drawing/2014/main" id="{75483494-5640-C24F-A816-988AC517AD5B}"/>
+              <a:t>CPVC T</a:t>
+            </a:r>
+          </a:p>
+        </p:txBody>
+      </p:sp>
+      <p:sp>
+        <p:nvSpPr>
+          <p:cNvPr id="32" name="Rectangle 31">
+            <a:extLst>
+              <a:ext uri="{FF2B5EF4-FFF2-40B4-BE49-F238E27FC236}">
+                <a16:creationId xmlns:a16="http://schemas.microsoft.com/office/drawing/2014/main" id="{785D8888-5ECC-1F40-BFAF-F142F0FDD30F}"/>
               </a:ext>
             </a:extLst>
           </p:cNvPr>
@@ -8707,8 +8584,8 @@
         </p:nvSpPr>
         <p:spPr>
           <a:xfrm>
-            <a:off x="8985977" y="2765239"/>
-            <a:ext cx="908304" cy="697992"/>
+            <a:off x="9987244" y="2844487"/>
+            <a:ext cx="797052" cy="539496"/>
           </a:xfrm>
           <a:prstGeom prst="rect">
             <a:avLst/>
@@ -8742,17 +8619,24 @@
             <a:pPr algn="ctr"/>
             <a:r>
               <a:rPr lang="en-US" dirty="0"/>
-              <a:t>CPVC T</a:t>
-            </a:r>
-          </a:p>
-        </p:txBody>
-      </p:sp>
-      <p:sp>
-        <p:nvSpPr>
-          <p:cNvPr id="32" name="Rectangle 31">
-            <a:extLst>
-              <a:ext uri="{FF2B5EF4-FFF2-40B4-BE49-F238E27FC236}">
-                <a16:creationId xmlns:a16="http://schemas.microsoft.com/office/drawing/2014/main" id="{785D8888-5ECC-1F40-BFAF-F142F0FDD30F}"/>
+              <a:t>1-way</a:t>
+            </a:r>
+          </a:p>
+          <a:p>
+            <a:pPr algn="ctr"/>
+            <a:r>
+              <a:rPr lang="en-US" dirty="0"/>
+              <a:t>-&gt;</a:t>
+            </a:r>
+          </a:p>
+        </p:txBody>
+      </p:sp>
+      <p:sp>
+        <p:nvSpPr>
+          <p:cNvPr id="33" name="Rectangle 32">
+            <a:extLst>
+              <a:ext uri="{FF2B5EF4-FFF2-40B4-BE49-F238E27FC236}">
+                <a16:creationId xmlns:a16="http://schemas.microsoft.com/office/drawing/2014/main" id="{1D7CD838-03CA-FB41-8BDB-BD3AA8279DCD}"/>
               </a:ext>
             </a:extLst>
           </p:cNvPr>
@@ -8761,8 +8645,8 @@
         </p:nvSpPr>
         <p:spPr>
           <a:xfrm>
-            <a:off x="9987244" y="2844487"/>
-            <a:ext cx="797052" cy="539496"/>
+            <a:off x="10877259" y="2844487"/>
+            <a:ext cx="939603" cy="539496"/>
           </a:xfrm>
           <a:prstGeom prst="rect">
             <a:avLst/>
@@ -8796,24 +8680,17 @@
             <a:pPr algn="ctr"/>
             <a:r>
               <a:rPr lang="en-US" dirty="0"/>
-              <a:t>1-way</a:t>
-            </a:r>
-          </a:p>
-          <a:p>
-            <a:pPr algn="ctr"/>
-            <a:r>
-              <a:rPr lang="en-US" dirty="0"/>
-              <a:t>-&gt;</a:t>
-            </a:r>
-          </a:p>
-        </p:txBody>
-      </p:sp>
-      <p:sp>
-        <p:nvSpPr>
-          <p:cNvPr id="33" name="Rectangle 32">
-            <a:extLst>
-              <a:ext uri="{FF2B5EF4-FFF2-40B4-BE49-F238E27FC236}">
-                <a16:creationId xmlns:a16="http://schemas.microsoft.com/office/drawing/2014/main" id="{1D7CD838-03CA-FB41-8BDB-BD3AA8279DCD}"/>
+              <a:t>Flow Sensors</a:t>
+            </a:r>
+          </a:p>
+        </p:txBody>
+      </p:sp>
+      <p:sp>
+        <p:nvSpPr>
+          <p:cNvPr id="34" name="Rectangle 33">
+            <a:extLst>
+              <a:ext uri="{FF2B5EF4-FFF2-40B4-BE49-F238E27FC236}">
+                <a16:creationId xmlns:a16="http://schemas.microsoft.com/office/drawing/2014/main" id="{34F53818-172F-B043-9215-376D1E393EBE}"/>
               </a:ext>
             </a:extLst>
           </p:cNvPr>
@@ -8822,8 +8699,8 @@
         </p:nvSpPr>
         <p:spPr>
           <a:xfrm>
-            <a:off x="10877259" y="2844487"/>
-            <a:ext cx="939603" cy="539496"/>
+            <a:off x="11909823" y="2844487"/>
+            <a:ext cx="1341944" cy="539496"/>
           </a:xfrm>
           <a:prstGeom prst="rect">
             <a:avLst/>
@@ -8857,17 +8734,24 @@
             <a:pPr algn="ctr"/>
             <a:r>
               <a:rPr lang="en-US" dirty="0"/>
-              <a:t>Flow Sensors</a:t>
-            </a:r>
-          </a:p>
-        </p:txBody>
-      </p:sp>
-      <p:sp>
-        <p:nvSpPr>
-          <p:cNvPr id="34" name="Rectangle 33">
-            <a:extLst>
-              <a:ext uri="{FF2B5EF4-FFF2-40B4-BE49-F238E27FC236}">
-                <a16:creationId xmlns:a16="http://schemas.microsoft.com/office/drawing/2014/main" id="{34F53818-172F-B043-9215-376D1E393EBE}"/>
+              <a:t>CPVC</a:t>
+            </a:r>
+          </a:p>
+          <a:p>
+            <a:pPr algn="ctr"/>
+            <a:r>
+              <a:rPr lang="en-US" dirty="0"/>
+              <a:t>Ball Valve</a:t>
+            </a:r>
+          </a:p>
+        </p:txBody>
+      </p:sp>
+      <p:sp>
+        <p:nvSpPr>
+          <p:cNvPr id="36" name="Rectangle 35">
+            <a:extLst>
+              <a:ext uri="{FF2B5EF4-FFF2-40B4-BE49-F238E27FC236}">
+                <a16:creationId xmlns:a16="http://schemas.microsoft.com/office/drawing/2014/main" id="{90632108-BF4A-2B4F-BE20-BCD2AB658567}"/>
               </a:ext>
             </a:extLst>
           </p:cNvPr>
@@ -8876,61 +8760,7 @@
         </p:nvSpPr>
         <p:spPr>
           <a:xfrm>
-            <a:off x="11909823" y="2844487"/>
-            <a:ext cx="885444" cy="539496"/>
-          </a:xfrm>
-          <a:prstGeom prst="rect">
-            <a:avLst/>
-          </a:prstGeom>
-        </p:spPr>
-        <p:style>
-          <a:lnRef idx="2">
-            <a:schemeClr val="accent1">
-              <a:shade val="50000"/>
-            </a:schemeClr>
-          </a:lnRef>
-          <a:fillRef idx="1">
-            <a:schemeClr val="accent1"/>
-          </a:fillRef>
-          <a:effectRef idx="0">
-            <a:schemeClr val="accent1"/>
-          </a:effectRef>
-          <a:fontRef idx="minor">
-            <a:schemeClr val="lt1"/>
-          </a:fontRef>
-        </p:style>
-        <p:txBody>
-          <a:bodyPr rot="0" spcFirstLastPara="0" vertOverflow="overflow" horzOverflow="overflow" vert="horz" wrap="square" lIns="91440" tIns="45720" rIns="91440" bIns="45720" numCol="1" spcCol="0" rtlCol="0" fromWordArt="0" anchor="ctr" anchorCtr="0" forceAA="0" compatLnSpc="1">
-            <a:prstTxWarp prst="textNoShape">
-              <a:avLst/>
-            </a:prstTxWarp>
-            <a:noAutofit/>
-          </a:bodyPr>
-          <a:lstStyle/>
-          <a:p>
-            <a:pPr algn="ctr"/>
-            <a:r>
-              <a:rPr lang="en-US" dirty="0"/>
-              <a:t>Shutoff</a:t>
-            </a:r>
-          </a:p>
-        </p:txBody>
-      </p:sp>
-      <p:sp>
-        <p:nvSpPr>
-          <p:cNvPr id="36" name="Rectangle 35">
-            <a:extLst>
-              <a:ext uri="{FF2B5EF4-FFF2-40B4-BE49-F238E27FC236}">
-                <a16:creationId xmlns:a16="http://schemas.microsoft.com/office/drawing/2014/main" id="{90632108-BF4A-2B4F-BE20-BCD2AB658567}"/>
-              </a:ext>
-            </a:extLst>
-          </p:cNvPr>
-          <p:cNvSpPr/>
-          <p:nvPr/>
-        </p:nvSpPr>
-        <p:spPr>
-          <a:xfrm>
-            <a:off x="12888228" y="2848473"/>
+            <a:off x="13366530" y="2844487"/>
             <a:ext cx="1037844" cy="539496"/>
           </a:xfrm>
           <a:prstGeom prst="rect">
@@ -10142,6 +9972,148 @@
           </a:p>
         </p:txBody>
       </p:sp>
+      <p:sp>
+        <p:nvSpPr>
+          <p:cNvPr id="46" name="TextBox 45">
+            <a:extLst>
+              <a:ext uri="{FF2B5EF4-FFF2-40B4-BE49-F238E27FC236}">
+                <a16:creationId xmlns:a16="http://schemas.microsoft.com/office/drawing/2014/main" id="{CC54347F-23B7-3947-A12F-42EC52A3D5FD}"/>
+              </a:ext>
+            </a:extLst>
+          </p:cNvPr>
+          <p:cNvSpPr txBox="1"/>
+          <p:nvPr/>
+        </p:nvSpPr>
+        <p:spPr>
+          <a:xfrm>
+            <a:off x="5122951" y="3943175"/>
+            <a:ext cx="1113062" cy="369332"/>
+          </a:xfrm>
+          <a:prstGeom prst="rect">
+            <a:avLst/>
+          </a:prstGeom>
+          <a:noFill/>
+        </p:spPr>
+        <p:txBody>
+          <a:bodyPr wrap="none" rtlCol="0">
+            <a:spAutoFit/>
+          </a:bodyPr>
+          <a:lstStyle/>
+          <a:p>
+            <a:r>
+              <a:rPr lang="en-US" dirty="0"/>
+              <a:t>Repeat 3x</a:t>
+            </a:r>
+          </a:p>
+        </p:txBody>
+      </p:sp>
+      <p:cxnSp>
+        <p:nvCxnSpPr>
+          <p:cNvPr id="47" name="Straight Connector 46">
+            <a:extLst>
+              <a:ext uri="{FF2B5EF4-FFF2-40B4-BE49-F238E27FC236}">
+                <a16:creationId xmlns:a16="http://schemas.microsoft.com/office/drawing/2014/main" id="{A959FDD8-7186-C44B-957C-F2DD6E809309}"/>
+              </a:ext>
+            </a:extLst>
+          </p:cNvPr>
+          <p:cNvCxnSpPr/>
+          <p:nvPr/>
+        </p:nvCxnSpPr>
+        <p:spPr>
+          <a:xfrm flipV="1">
+            <a:off x="8359652" y="3556955"/>
+            <a:ext cx="2185416" cy="658368"/>
+          </a:xfrm>
+          <a:prstGeom prst="line">
+            <a:avLst/>
+          </a:prstGeom>
+        </p:spPr>
+        <p:style>
+          <a:lnRef idx="1">
+            <a:schemeClr val="accent1"/>
+          </a:lnRef>
+          <a:fillRef idx="0">
+            <a:schemeClr val="accent1"/>
+          </a:fillRef>
+          <a:effectRef idx="0">
+            <a:schemeClr val="accent1"/>
+          </a:effectRef>
+          <a:fontRef idx="minor">
+            <a:schemeClr val="tx1"/>
+          </a:fontRef>
+        </p:style>
+      </p:cxnSp>
+      <p:cxnSp>
+        <p:nvCxnSpPr>
+          <p:cNvPr id="48" name="Straight Connector 47">
+            <a:extLst>
+              <a:ext uri="{FF2B5EF4-FFF2-40B4-BE49-F238E27FC236}">
+                <a16:creationId xmlns:a16="http://schemas.microsoft.com/office/drawing/2014/main" id="{B4415072-CF90-4144-A8C2-92D4DA016DAA}"/>
+              </a:ext>
+            </a:extLst>
+          </p:cNvPr>
+          <p:cNvCxnSpPr/>
+          <p:nvPr/>
+        </p:nvCxnSpPr>
+        <p:spPr>
+          <a:xfrm flipV="1">
+            <a:off x="8359652" y="4074091"/>
+            <a:ext cx="2185416" cy="658368"/>
+          </a:xfrm>
+          <a:prstGeom prst="line">
+            <a:avLst/>
+          </a:prstGeom>
+        </p:spPr>
+        <p:style>
+          <a:lnRef idx="1">
+            <a:schemeClr val="accent1"/>
+          </a:lnRef>
+          <a:fillRef idx="0">
+            <a:schemeClr val="accent1"/>
+          </a:fillRef>
+          <a:effectRef idx="0">
+            <a:schemeClr val="accent1"/>
+          </a:effectRef>
+          <a:fontRef idx="minor">
+            <a:schemeClr val="tx1"/>
+          </a:fontRef>
+        </p:style>
+      </p:cxnSp>
+      <p:sp>
+        <p:nvSpPr>
+          <p:cNvPr id="49" name="TextBox 48">
+            <a:extLst>
+              <a:ext uri="{FF2B5EF4-FFF2-40B4-BE49-F238E27FC236}">
+                <a16:creationId xmlns:a16="http://schemas.microsoft.com/office/drawing/2014/main" id="{0ED3C67D-8128-C742-845A-8ECC44170062}"/>
+              </a:ext>
+            </a:extLst>
+          </p:cNvPr>
+          <p:cNvSpPr txBox="1"/>
+          <p:nvPr/>
+        </p:nvSpPr>
+        <p:spPr>
+          <a:xfrm>
+            <a:off x="8895829" y="3952406"/>
+            <a:ext cx="1113062" cy="369332"/>
+          </a:xfrm>
+          <a:prstGeom prst="rect">
+            <a:avLst/>
+          </a:prstGeom>
+          <a:noFill/>
+        </p:spPr>
+        <p:txBody>
+          <a:bodyPr wrap="none" rtlCol="0">
+            <a:spAutoFit/>
+          </a:bodyPr>
+          <a:lstStyle/>
+          <a:p>
+            <a:r>
+              <a:rPr lang="en-US" dirty="0"/>
+              <a:t>Repeat 3x</a:t>
+            </a:r>
+          </a:p>
+        </p:txBody>
+      </p:sp>
     </p:spTree>
     <p:extLst>
       <p:ext uri="{BB962C8B-B14F-4D97-AF65-F5344CB8AC3E}">
